--- a/Pr�sentation_NUI.pptx
+++ b/Pr�sentation_NUI.pptx
@@ -4,6 +4,9 @@
   <p:sldMasterIdLst>
     <p:sldMasterId id="2147483684" r:id="rId1"/>
   </p:sldMasterIdLst>
+  <p:notesMasterIdLst>
+    <p:notesMasterId r:id="rId12"/>
+  </p:notesMasterIdLst>
   <p:sldIdLst>
     <p:sldId id="256" r:id="rId2"/>
     <p:sldId id="257" r:id="rId3"/>
@@ -116,6 +119,353 @@
 </p:presentation>
 </file>
 
+<file path=ppt/notesMasters/notesMaster1.xml><?xml version="1.0" encoding="utf-8"?>
+<p:notesMaster xmlns:a="http://schemas.openxmlformats.org/drawingml/2006/main" xmlns:r="http://schemas.openxmlformats.org/officeDocument/2006/relationships" xmlns:p="http://schemas.openxmlformats.org/presentationml/2006/main">
+  <p:cSld>
+    <p:bg>
+      <p:bgRef idx="1001">
+        <a:schemeClr val="bg1"/>
+      </p:bgRef>
+    </p:bg>
+    <p:spTree>
+      <p:nvGrpSpPr>
+        <p:cNvPr id="1" name=""/>
+        <p:cNvGrpSpPr/>
+        <p:nvPr/>
+      </p:nvGrpSpPr>
+      <p:grpSpPr>
+        <a:xfrm>
+          <a:off x="0" y="0"/>
+          <a:ext cx="0" cy="0"/>
+          <a:chOff x="0" y="0"/>
+          <a:chExt cx="0" cy="0"/>
+        </a:xfrm>
+      </p:grpSpPr>
+      <p:sp>
+        <p:nvSpPr>
+          <p:cNvPr id="2" name="Espace réservé de l'en-tête 1"/>
+          <p:cNvSpPr>
+            <a:spLocks noGrp="1"/>
+          </p:cNvSpPr>
+          <p:nvPr>
+            <p:ph type="hdr" sz="quarter"/>
+          </p:nvPr>
+        </p:nvSpPr>
+        <p:spPr>
+          <a:xfrm>
+            <a:off x="0" y="0"/>
+            <a:ext cx="2971800" cy="457200"/>
+          </a:xfrm>
+          <a:prstGeom prst="rect">
+            <a:avLst/>
+          </a:prstGeom>
+        </p:spPr>
+        <p:txBody>
+          <a:bodyPr vert="horz" lIns="91440" tIns="45720" rIns="91440" bIns="45720" rtlCol="0"/>
+          <a:lstStyle>
+            <a:lvl1pPr algn="l">
+              <a:defRPr sz="1200"/>
+            </a:lvl1pPr>
+          </a:lstStyle>
+          <a:p>
+            <a:endParaRPr lang="fr-FR"/>
+          </a:p>
+        </p:txBody>
+      </p:sp>
+      <p:sp>
+        <p:nvSpPr>
+          <p:cNvPr id="3" name="Espace réservé de la date 2"/>
+          <p:cNvSpPr>
+            <a:spLocks noGrp="1"/>
+          </p:cNvSpPr>
+          <p:nvPr>
+            <p:ph type="dt" idx="1"/>
+          </p:nvPr>
+        </p:nvSpPr>
+        <p:spPr>
+          <a:xfrm>
+            <a:off x="3884613" y="0"/>
+            <a:ext cx="2971800" cy="457200"/>
+          </a:xfrm>
+          <a:prstGeom prst="rect">
+            <a:avLst/>
+          </a:prstGeom>
+        </p:spPr>
+        <p:txBody>
+          <a:bodyPr vert="horz" lIns="91440" tIns="45720" rIns="91440" bIns="45720" rtlCol="0"/>
+          <a:lstStyle>
+            <a:lvl1pPr algn="r">
+              <a:defRPr sz="1200"/>
+            </a:lvl1pPr>
+          </a:lstStyle>
+          <a:p>
+            <a:fld id="{2203E90B-0CDC-4675-8BC8-ABC960C3C4BD}" type="datetimeFigureOut">
+              <a:rPr lang="fr-FR" smtClean="0"/>
+              <a:t>02/12/2011</a:t>
+            </a:fld>
+            <a:endParaRPr lang="fr-FR"/>
+          </a:p>
+        </p:txBody>
+      </p:sp>
+      <p:sp>
+        <p:nvSpPr>
+          <p:cNvPr id="4" name="Espace réservé de l'image des diapositives 3"/>
+          <p:cNvSpPr>
+            <a:spLocks noGrp="1" noRot="1" noChangeAspect="1"/>
+          </p:cNvSpPr>
+          <p:nvPr>
+            <p:ph type="sldImg" idx="2"/>
+          </p:nvPr>
+        </p:nvSpPr>
+        <p:spPr>
+          <a:xfrm>
+            <a:off x="1143000" y="685800"/>
+            <a:ext cx="4572000" cy="3429000"/>
+          </a:xfrm>
+          <a:prstGeom prst="rect">
+            <a:avLst/>
+          </a:prstGeom>
+          <a:noFill/>
+          <a:ln w="12700">
+            <a:solidFill>
+              <a:prstClr val="black"/>
+            </a:solidFill>
+          </a:ln>
+        </p:spPr>
+        <p:txBody>
+          <a:bodyPr vert="horz" lIns="91440" tIns="45720" rIns="91440" bIns="45720" rtlCol="0" anchor="ctr"/>
+          <a:lstStyle/>
+          <a:p>
+            <a:endParaRPr lang="fr-FR"/>
+          </a:p>
+        </p:txBody>
+      </p:sp>
+      <p:sp>
+        <p:nvSpPr>
+          <p:cNvPr id="5" name="Espace réservé des commentaires 4"/>
+          <p:cNvSpPr>
+            <a:spLocks noGrp="1"/>
+          </p:cNvSpPr>
+          <p:nvPr>
+            <p:ph type="body" sz="quarter" idx="3"/>
+          </p:nvPr>
+        </p:nvSpPr>
+        <p:spPr>
+          <a:xfrm>
+            <a:off x="685800" y="4343400"/>
+            <a:ext cx="5486400" cy="4114800"/>
+          </a:xfrm>
+          <a:prstGeom prst="rect">
+            <a:avLst/>
+          </a:prstGeom>
+        </p:spPr>
+        <p:txBody>
+          <a:bodyPr vert="horz" lIns="91440" tIns="45720" rIns="91440" bIns="45720" rtlCol="0">
+            <a:normAutofit/>
+          </a:bodyPr>
+          <a:lstStyle/>
+          <a:p>
+            <a:pPr lvl="0"/>
+            <a:r>
+              <a:rPr lang="fr-FR" smtClean="0"/>
+              <a:t>Cliquez pour modifier les styles du texte du masque</a:t>
+            </a:r>
+          </a:p>
+          <a:p>
+            <a:pPr lvl="1"/>
+            <a:r>
+              <a:rPr lang="fr-FR" smtClean="0"/>
+              <a:t>Deuxième niveau</a:t>
+            </a:r>
+          </a:p>
+          <a:p>
+            <a:pPr lvl="2"/>
+            <a:r>
+              <a:rPr lang="fr-FR" smtClean="0"/>
+              <a:t>Troisième niveau</a:t>
+            </a:r>
+          </a:p>
+          <a:p>
+            <a:pPr lvl="3"/>
+            <a:r>
+              <a:rPr lang="fr-FR" smtClean="0"/>
+              <a:t>Quatrième niveau</a:t>
+            </a:r>
+          </a:p>
+          <a:p>
+            <a:pPr lvl="4"/>
+            <a:r>
+              <a:rPr lang="fr-FR" smtClean="0"/>
+              <a:t>Cinquième niveau</a:t>
+            </a:r>
+            <a:endParaRPr lang="fr-FR"/>
+          </a:p>
+        </p:txBody>
+      </p:sp>
+      <p:sp>
+        <p:nvSpPr>
+          <p:cNvPr id="6" name="Espace réservé du pied de page 5"/>
+          <p:cNvSpPr>
+            <a:spLocks noGrp="1"/>
+          </p:cNvSpPr>
+          <p:nvPr>
+            <p:ph type="ftr" sz="quarter" idx="4"/>
+          </p:nvPr>
+        </p:nvSpPr>
+        <p:spPr>
+          <a:xfrm>
+            <a:off x="0" y="8685213"/>
+            <a:ext cx="2971800" cy="457200"/>
+          </a:xfrm>
+          <a:prstGeom prst="rect">
+            <a:avLst/>
+          </a:prstGeom>
+        </p:spPr>
+        <p:txBody>
+          <a:bodyPr vert="horz" lIns="91440" tIns="45720" rIns="91440" bIns="45720" rtlCol="0" anchor="b"/>
+          <a:lstStyle>
+            <a:lvl1pPr algn="l">
+              <a:defRPr sz="1200"/>
+            </a:lvl1pPr>
+          </a:lstStyle>
+          <a:p>
+            <a:endParaRPr lang="fr-FR"/>
+          </a:p>
+        </p:txBody>
+      </p:sp>
+      <p:sp>
+        <p:nvSpPr>
+          <p:cNvPr id="7" name="Espace réservé du numéro de diapositive 6"/>
+          <p:cNvSpPr>
+            <a:spLocks noGrp="1"/>
+          </p:cNvSpPr>
+          <p:nvPr>
+            <p:ph type="sldNum" sz="quarter" idx="5"/>
+          </p:nvPr>
+        </p:nvSpPr>
+        <p:spPr>
+          <a:xfrm>
+            <a:off x="3884613" y="8685213"/>
+            <a:ext cx="2971800" cy="457200"/>
+          </a:xfrm>
+          <a:prstGeom prst="rect">
+            <a:avLst/>
+          </a:prstGeom>
+        </p:spPr>
+        <p:txBody>
+          <a:bodyPr vert="horz" lIns="91440" tIns="45720" rIns="91440" bIns="45720" rtlCol="0" anchor="b"/>
+          <a:lstStyle>
+            <a:lvl1pPr algn="r">
+              <a:defRPr sz="1200"/>
+            </a:lvl1pPr>
+          </a:lstStyle>
+          <a:p>
+            <a:fld id="{2AC8731D-2D87-440C-8698-DB210FC0FD5A}" type="slidenum">
+              <a:rPr lang="fr-FR" smtClean="0"/>
+              <a:t>‹N°›</a:t>
+            </a:fld>
+            <a:endParaRPr lang="fr-FR"/>
+          </a:p>
+        </p:txBody>
+      </p:sp>
+    </p:spTree>
+  </p:cSld>
+  <p:clrMap bg1="lt1" tx1="dk1" bg2="lt2" tx2="dk2" accent1="accent1" accent2="accent2" accent3="accent3" accent4="accent4" accent5="accent5" accent6="accent6" hlink="hlink" folHlink="folHlink"/>
+  <p:notesStyle>
+    <a:lvl1pPr marL="0" algn="l" defTabSz="914400" rtl="0" eaLnBrk="1" latinLnBrk="0" hangingPunct="1">
+      <a:defRPr sz="1200" kern="1200">
+        <a:solidFill>
+          <a:schemeClr val="tx1"/>
+        </a:solidFill>
+        <a:latin typeface="+mn-lt"/>
+        <a:ea typeface="+mn-ea"/>
+        <a:cs typeface="+mn-cs"/>
+      </a:defRPr>
+    </a:lvl1pPr>
+    <a:lvl2pPr marL="457200" algn="l" defTabSz="914400" rtl="0" eaLnBrk="1" latinLnBrk="0" hangingPunct="1">
+      <a:defRPr sz="1200" kern="1200">
+        <a:solidFill>
+          <a:schemeClr val="tx1"/>
+        </a:solidFill>
+        <a:latin typeface="+mn-lt"/>
+        <a:ea typeface="+mn-ea"/>
+        <a:cs typeface="+mn-cs"/>
+      </a:defRPr>
+    </a:lvl2pPr>
+    <a:lvl3pPr marL="914400" algn="l" defTabSz="914400" rtl="0" eaLnBrk="1" latinLnBrk="0" hangingPunct="1">
+      <a:defRPr sz="1200" kern="1200">
+        <a:solidFill>
+          <a:schemeClr val="tx1"/>
+        </a:solidFill>
+        <a:latin typeface="+mn-lt"/>
+        <a:ea typeface="+mn-ea"/>
+        <a:cs typeface="+mn-cs"/>
+      </a:defRPr>
+    </a:lvl3pPr>
+    <a:lvl4pPr marL="1371600" algn="l" defTabSz="914400" rtl="0" eaLnBrk="1" latinLnBrk="0" hangingPunct="1">
+      <a:defRPr sz="1200" kern="1200">
+        <a:solidFill>
+          <a:schemeClr val="tx1"/>
+        </a:solidFill>
+        <a:latin typeface="+mn-lt"/>
+        <a:ea typeface="+mn-ea"/>
+        <a:cs typeface="+mn-cs"/>
+      </a:defRPr>
+    </a:lvl4pPr>
+    <a:lvl5pPr marL="1828800" algn="l" defTabSz="914400" rtl="0" eaLnBrk="1" latinLnBrk="0" hangingPunct="1">
+      <a:defRPr sz="1200" kern="1200">
+        <a:solidFill>
+          <a:schemeClr val="tx1"/>
+        </a:solidFill>
+        <a:latin typeface="+mn-lt"/>
+        <a:ea typeface="+mn-ea"/>
+        <a:cs typeface="+mn-cs"/>
+      </a:defRPr>
+    </a:lvl5pPr>
+    <a:lvl6pPr marL="2286000" algn="l" defTabSz="914400" rtl="0" eaLnBrk="1" latinLnBrk="0" hangingPunct="1">
+      <a:defRPr sz="1200" kern="1200">
+        <a:solidFill>
+          <a:schemeClr val="tx1"/>
+        </a:solidFill>
+        <a:latin typeface="+mn-lt"/>
+        <a:ea typeface="+mn-ea"/>
+        <a:cs typeface="+mn-cs"/>
+      </a:defRPr>
+    </a:lvl6pPr>
+    <a:lvl7pPr marL="2743200" algn="l" defTabSz="914400" rtl="0" eaLnBrk="1" latinLnBrk="0" hangingPunct="1">
+      <a:defRPr sz="1200" kern="1200">
+        <a:solidFill>
+          <a:schemeClr val="tx1"/>
+        </a:solidFill>
+        <a:latin typeface="+mn-lt"/>
+        <a:ea typeface="+mn-ea"/>
+        <a:cs typeface="+mn-cs"/>
+      </a:defRPr>
+    </a:lvl7pPr>
+    <a:lvl8pPr marL="3200400" algn="l" defTabSz="914400" rtl="0" eaLnBrk="1" latinLnBrk="0" hangingPunct="1">
+      <a:defRPr sz="1200" kern="1200">
+        <a:solidFill>
+          <a:schemeClr val="tx1"/>
+        </a:solidFill>
+        <a:latin typeface="+mn-lt"/>
+        <a:ea typeface="+mn-ea"/>
+        <a:cs typeface="+mn-cs"/>
+      </a:defRPr>
+    </a:lvl8pPr>
+    <a:lvl9pPr marL="3657600" algn="l" defTabSz="914400" rtl="0" eaLnBrk="1" latinLnBrk="0" hangingPunct="1">
+      <a:defRPr sz="1200" kern="1200">
+        <a:solidFill>
+          <a:schemeClr val="tx1"/>
+        </a:solidFill>
+        <a:latin typeface="+mn-lt"/>
+        <a:ea typeface="+mn-ea"/>
+        <a:cs typeface="+mn-cs"/>
+      </a:defRPr>
+    </a:lvl9pPr>
+  </p:notesStyle>
+</p:notesMaster>
+</file>
+
 <file path=ppt/slideLayouts/slideLayout1.xml><?xml version="1.0" encoding="utf-8"?>
 <p:sldLayout xmlns:a="http://schemas.openxmlformats.org/drawingml/2006/main" xmlns:r="http://schemas.openxmlformats.org/officeDocument/2006/relationships" xmlns:p="http://schemas.openxmlformats.org/presentationml/2006/main" showMasterSp="0" type="title" preserve="1">
   <p:cSld name="Diapositive de titre">
@@ -498,7 +848,7 @@
           <a:bodyPr/>
           <a:lstStyle/>
           <a:p>
-            <a:fld id="{006D3136-28A6-45F5-B15B-F7933AF53973}" type="datetimeFigureOut">
+            <a:fld id="{B30708D4-7584-4BF6-A650-DE44C1156BBE}" type="datetime1">
               <a:rPr lang="fr-FR" smtClean="0"/>
               <a:t>02/12/2011</a:t>
             </a:fld>
@@ -542,6 +892,7 @@
           <a:p>
             <a:fld id="{AB9DB7C7-3B7A-421A-AF98-AB9FC2185CD3}" type="slidenum">
               <a:rPr lang="fr-FR" smtClean="0"/>
+              <a:pPr/>
               <a:t>‹N°›</a:t>
             </a:fld>
             <a:endParaRPr lang="fr-FR" dirty="0"/>
@@ -663,7 +1014,7 @@
           <a:bodyPr/>
           <a:lstStyle/>
           <a:p>
-            <a:fld id="{006D3136-28A6-45F5-B15B-F7933AF53973}" type="datetimeFigureOut">
+            <a:fld id="{DC6C8D68-5EC8-4DAE-B865-AB0CF7A05890}" type="datetime1">
               <a:rPr lang="fr-FR" smtClean="0"/>
               <a:t>02/12/2011</a:t>
             </a:fld>
@@ -707,6 +1058,7 @@
           <a:p>
             <a:fld id="{AB9DB7C7-3B7A-421A-AF98-AB9FC2185CD3}" type="slidenum">
               <a:rPr lang="fr-FR" smtClean="0"/>
+              <a:pPr/>
               <a:t>‹N°›</a:t>
             </a:fld>
             <a:endParaRPr lang="fr-FR" dirty="0"/>
@@ -838,7 +1190,7 @@
           <a:bodyPr/>
           <a:lstStyle/>
           <a:p>
-            <a:fld id="{006D3136-28A6-45F5-B15B-F7933AF53973}" type="datetimeFigureOut">
+            <a:fld id="{2A5DD0C9-B39E-4579-A0F4-60D95B587322}" type="datetime1">
               <a:rPr lang="fr-FR" smtClean="0"/>
               <a:t>02/12/2011</a:t>
             </a:fld>
@@ -882,6 +1234,7 @@
           <a:p>
             <a:fld id="{AB9DB7C7-3B7A-421A-AF98-AB9FC2185CD3}" type="slidenum">
               <a:rPr lang="fr-FR" smtClean="0"/>
+              <a:pPr/>
               <a:t>‹N°›</a:t>
             </a:fld>
             <a:endParaRPr lang="fr-FR" dirty="0"/>
@@ -1007,7 +1360,7 @@
           <a:bodyPr/>
           <a:lstStyle/>
           <a:p>
-            <a:fld id="{006D3136-28A6-45F5-B15B-F7933AF53973}" type="datetimeFigureOut">
+            <a:fld id="{71A09DD0-4C1B-4AFD-8F21-EDAB9B544313}" type="datetime1">
               <a:rPr lang="fr-FR" smtClean="0"/>
               <a:t>02/12/2011</a:t>
             </a:fld>
@@ -1051,6 +1404,7 @@
           <a:p>
             <a:fld id="{AB9DB7C7-3B7A-421A-AF98-AB9FC2185CD3}" type="slidenum">
               <a:rPr lang="fr-FR" smtClean="0"/>
+              <a:pPr/>
               <a:t>‹N°›</a:t>
             </a:fld>
             <a:endParaRPr lang="fr-FR" dirty="0"/>
@@ -1462,7 +1816,7 @@
           <a:bodyPr/>
           <a:lstStyle/>
           <a:p>
-            <a:fld id="{006D3136-28A6-45F5-B15B-F7933AF53973}" type="datetimeFigureOut">
+            <a:fld id="{E166F0C0-D556-499B-9FF1-918CFAF227BB}" type="datetime1">
               <a:rPr lang="fr-FR" smtClean="0"/>
               <a:t>02/12/2011</a:t>
             </a:fld>
@@ -1506,6 +1860,7 @@
           <a:p>
             <a:fld id="{AB9DB7C7-3B7A-421A-AF98-AB9FC2185CD3}" type="slidenum">
               <a:rPr lang="fr-FR" smtClean="0"/>
+              <a:pPr/>
               <a:t>‹N°›</a:t>
             </a:fld>
             <a:endParaRPr lang="fr-FR" dirty="0"/>
@@ -1726,7 +2081,7 @@
           <a:bodyPr/>
           <a:lstStyle/>
           <a:p>
-            <a:fld id="{006D3136-28A6-45F5-B15B-F7933AF53973}" type="datetimeFigureOut">
+            <a:fld id="{A760B116-56C7-4AEE-86E9-01B08BB24BCB}" type="datetime1">
               <a:rPr lang="fr-FR" smtClean="0"/>
               <a:t>02/12/2011</a:t>
             </a:fld>
@@ -1770,6 +2125,7 @@
           <a:p>
             <a:fld id="{AB9DB7C7-3B7A-421A-AF98-AB9FC2185CD3}" type="slidenum">
               <a:rPr lang="fr-FR" smtClean="0"/>
+              <a:pPr/>
               <a:t>‹N°›</a:t>
             </a:fld>
             <a:endParaRPr lang="fr-FR" dirty="0"/>
@@ -2100,7 +2456,7 @@
           <a:bodyPr/>
           <a:lstStyle/>
           <a:p>
-            <a:fld id="{006D3136-28A6-45F5-B15B-F7933AF53973}" type="datetimeFigureOut">
+            <a:fld id="{563245F5-B3C6-4A6F-86D9-CF9561FD3921}" type="datetime1">
               <a:rPr lang="fr-FR" smtClean="0"/>
               <a:t>02/12/2011</a:t>
             </a:fld>
@@ -2144,6 +2500,7 @@
           <a:p>
             <a:fld id="{AB9DB7C7-3B7A-421A-AF98-AB9FC2185CD3}" type="slidenum">
               <a:rPr lang="fr-FR" smtClean="0"/>
+              <a:pPr/>
               <a:t>‹N°›</a:t>
             </a:fld>
             <a:endParaRPr lang="fr-FR" dirty="0"/>
@@ -2222,7 +2579,7 @@
           <a:bodyPr/>
           <a:lstStyle/>
           <a:p>
-            <a:fld id="{006D3136-28A6-45F5-B15B-F7933AF53973}" type="datetimeFigureOut">
+            <a:fld id="{6FD4DD31-4896-42CC-B1ED-6262A46F9DBA}" type="datetime1">
               <a:rPr lang="fr-FR" smtClean="0"/>
               <a:t>02/12/2011</a:t>
             </a:fld>
@@ -2247,6 +2604,7 @@
           <a:p>
             <a:fld id="{AB9DB7C7-3B7A-421A-AF98-AB9FC2185CD3}" type="slidenum">
               <a:rPr lang="fr-FR" smtClean="0"/>
+              <a:pPr/>
               <a:t>‹N°›</a:t>
             </a:fld>
             <a:endParaRPr lang="fr-FR" dirty="0"/>
@@ -2312,7 +2670,7 @@
           <a:bodyPr/>
           <a:lstStyle/>
           <a:p>
-            <a:fld id="{006D3136-28A6-45F5-B15B-F7933AF53973}" type="datetimeFigureOut">
+            <a:fld id="{5B46C9AF-6816-44A8-8C17-08728961F6E4}" type="datetime1">
               <a:rPr lang="fr-FR" smtClean="0"/>
               <a:t>02/12/2011</a:t>
             </a:fld>
@@ -2356,6 +2714,7 @@
           <a:p>
             <a:fld id="{AB9DB7C7-3B7A-421A-AF98-AB9FC2185CD3}" type="slidenum">
               <a:rPr lang="fr-FR" smtClean="0"/>
+              <a:pPr/>
               <a:t>‹N°›</a:t>
             </a:fld>
             <a:endParaRPr lang="fr-FR" dirty="0"/>
@@ -2561,7 +2920,7 @@
           <a:bodyPr/>
           <a:lstStyle/>
           <a:p>
-            <a:fld id="{006D3136-28A6-45F5-B15B-F7933AF53973}" type="datetimeFigureOut">
+            <a:fld id="{5176E305-E42F-44BF-9092-B0DEE6901066}" type="datetime1">
               <a:rPr lang="fr-FR" smtClean="0"/>
               <a:t>02/12/2011</a:t>
             </a:fld>
@@ -2610,6 +2969,7 @@
           <a:p>
             <a:fld id="{AB9DB7C7-3B7A-421A-AF98-AB9FC2185CD3}" type="slidenum">
               <a:rPr lang="fr-FR" smtClean="0"/>
+              <a:pPr/>
               <a:t>‹N°›</a:t>
             </a:fld>
             <a:endParaRPr lang="fr-FR" dirty="0"/>
@@ -2820,7 +3180,7 @@
           <a:bodyPr/>
           <a:lstStyle/>
           <a:p>
-            <a:fld id="{006D3136-28A6-45F5-B15B-F7933AF53973}" type="datetimeFigureOut">
+            <a:fld id="{EA187218-CA78-4EEF-B7DF-7BD32F9B4928}" type="datetime1">
               <a:rPr lang="fr-FR" smtClean="0"/>
               <a:t>02/12/2011</a:t>
             </a:fld>
@@ -2864,6 +3224,7 @@
           <a:p>
             <a:fld id="{AB9DB7C7-3B7A-421A-AF98-AB9FC2185CD3}" type="slidenum">
               <a:rPr lang="fr-FR" smtClean="0"/>
+              <a:pPr/>
               <a:t>‹N°›</a:t>
             </a:fld>
             <a:endParaRPr lang="fr-FR" dirty="0"/>
@@ -3224,7 +3585,7 @@
             </a:lvl1pPr>
           </a:lstStyle>
           <a:p>
-            <a:fld id="{006D3136-28A6-45F5-B15B-F7933AF53973}" type="datetimeFigureOut">
+            <a:fld id="{0652115D-2F52-41EB-87E3-784951E7A5EB}" type="datetime1">
               <a:rPr lang="fr-FR" smtClean="0"/>
               <a:t>02/12/2011</a:t>
             </a:fld>
@@ -3304,6 +3665,7 @@
           <a:p>
             <a:fld id="{AB9DB7C7-3B7A-421A-AF98-AB9FC2185CD3}" type="slidenum">
               <a:rPr lang="fr-FR" smtClean="0"/>
+              <a:pPr/>
               <a:t>‹N°›</a:t>
             </a:fld>
             <a:endParaRPr lang="fr-FR" dirty="0"/>
@@ -3326,6 +3688,7 @@
     <p:sldLayoutId id="2147483694" r:id="rId10"/>
     <p:sldLayoutId id="2147483695" r:id="rId11"/>
   </p:sldLayoutIdLst>
+  <p:hf hdr="0" ftr="0" dt="0"/>
   <p:txStyles>
     <p:titleStyle>
       <a:lvl1pPr algn="l" rtl="0" eaLnBrk="1" latinLnBrk="0" hangingPunct="1">
@@ -3676,6 +4039,30 @@
           </a:p>
         </p:txBody>
       </p:sp>
+      <p:sp>
+        <p:nvSpPr>
+          <p:cNvPr id="4" name="Espace réservé du numéro de diapositive 3"/>
+          <p:cNvSpPr>
+            <a:spLocks noGrp="1"/>
+          </p:cNvSpPr>
+          <p:nvPr>
+            <p:ph type="sldNum" sz="quarter" idx="12"/>
+          </p:nvPr>
+        </p:nvSpPr>
+        <p:spPr/>
+        <p:txBody>
+          <a:bodyPr/>
+          <a:lstStyle/>
+          <a:p>
+            <a:fld id="{AB9DB7C7-3B7A-421A-AF98-AB9FC2185CD3}" type="slidenum">
+              <a:rPr lang="fr-FR" smtClean="0"/>
+              <a:pPr/>
+              <a:t>1</a:t>
+            </a:fld>
+            <a:endParaRPr lang="fr-FR" dirty="0"/>
+          </a:p>
+        </p:txBody>
+      </p:sp>
     </p:spTree>
   </p:cSld>
   <p:clrMapOvr>
@@ -3743,6 +4130,30 @@
           </a:p>
         </p:txBody>
       </p:sp>
+      <p:sp>
+        <p:nvSpPr>
+          <p:cNvPr id="4" name="Espace réservé du numéro de diapositive 3"/>
+          <p:cNvSpPr>
+            <a:spLocks noGrp="1"/>
+          </p:cNvSpPr>
+          <p:nvPr>
+            <p:ph type="sldNum" sz="quarter" idx="12"/>
+          </p:nvPr>
+        </p:nvSpPr>
+        <p:spPr/>
+        <p:txBody>
+          <a:bodyPr/>
+          <a:lstStyle/>
+          <a:p>
+            <a:fld id="{AB9DB7C7-3B7A-421A-AF98-AB9FC2185CD3}" type="slidenum">
+              <a:rPr lang="fr-FR" smtClean="0"/>
+              <a:pPr/>
+              <a:t>10</a:t>
+            </a:fld>
+            <a:endParaRPr lang="fr-FR" dirty="0"/>
+          </a:p>
+        </p:txBody>
+      </p:sp>
     </p:spTree>
   </p:cSld>
   <p:clrMapOvr>
@@ -3849,6 +4260,30 @@
           </a:p>
         </p:txBody>
       </p:sp>
+      <p:sp>
+        <p:nvSpPr>
+          <p:cNvPr id="4" name="Espace réservé du numéro de diapositive 3"/>
+          <p:cNvSpPr>
+            <a:spLocks noGrp="1"/>
+          </p:cNvSpPr>
+          <p:nvPr>
+            <p:ph type="sldNum" sz="quarter" idx="12"/>
+          </p:nvPr>
+        </p:nvSpPr>
+        <p:spPr/>
+        <p:txBody>
+          <a:bodyPr/>
+          <a:lstStyle/>
+          <a:p>
+            <a:fld id="{AB9DB7C7-3B7A-421A-AF98-AB9FC2185CD3}" type="slidenum">
+              <a:rPr lang="fr-FR" smtClean="0"/>
+              <a:pPr/>
+              <a:t>2</a:t>
+            </a:fld>
+            <a:endParaRPr lang="fr-FR" dirty="0"/>
+          </a:p>
+        </p:txBody>
+      </p:sp>
     </p:spTree>
   </p:cSld>
   <p:clrMapOvr>
@@ -3923,21 +4358,55 @@
             <a:pPr lvl="1"/>
             <a:r>
               <a:rPr lang="en-US" dirty="0" smtClean="0"/>
-              <a:t>Games</a:t>
-            </a:r>
+              <a:t>Games (screen </a:t>
+            </a:r>
+            <a:r>
+              <a:rPr lang="en-US" dirty="0" err="1" smtClean="0"/>
+              <a:t>jeu</a:t>
+            </a:r>
+            <a:r>
+              <a:rPr lang="en-US" dirty="0" smtClean="0"/>
+              <a:t> Kinect)</a:t>
+            </a:r>
+            <a:endParaRPr lang="en-US" dirty="0" smtClean="0"/>
           </a:p>
           <a:p>
             <a:pPr lvl="1"/>
             <a:r>
               <a:rPr lang="en-US" dirty="0" smtClean="0"/>
-              <a:t>Devices</a:t>
-            </a:r>
+              <a:t>Devices (screen table tactile)</a:t>
+            </a:r>
+            <a:endParaRPr lang="en-US" dirty="0" smtClean="0"/>
           </a:p>
           <a:p>
             <a:r>
               <a:rPr lang="en-US" dirty="0" smtClean="0"/>
               <a:t>“Boom” of the touch devices</a:t>
             </a:r>
+          </a:p>
+        </p:txBody>
+      </p:sp>
+      <p:sp>
+        <p:nvSpPr>
+          <p:cNvPr id="4" name="Espace réservé du numéro de diapositive 3"/>
+          <p:cNvSpPr>
+            <a:spLocks noGrp="1"/>
+          </p:cNvSpPr>
+          <p:nvPr>
+            <p:ph type="sldNum" sz="quarter" idx="12"/>
+          </p:nvPr>
+        </p:nvSpPr>
+        <p:spPr/>
+        <p:txBody>
+          <a:bodyPr/>
+          <a:lstStyle/>
+          <a:p>
+            <a:fld id="{AB9DB7C7-3B7A-421A-AF98-AB9FC2185CD3}" type="slidenum">
+              <a:rPr lang="fr-FR" smtClean="0"/>
+              <a:pPr/>
+              <a:t>3</a:t>
+            </a:fld>
+            <a:endParaRPr lang="fr-FR" dirty="0"/>
           </a:p>
         </p:txBody>
       </p:sp>
@@ -4018,8 +4487,36 @@
           <a:p>
             <a:r>
               <a:rPr lang="en-US" dirty="0" smtClean="0"/>
-              <a:t>Microsoft Kinect is under rated, nobody uses the Kinect as a camera but only as a gaming device</a:t>
-            </a:r>
+              <a:t>Microsoft Kinect is under rated, nobody uses the Kinect as a camera but only as a gaming </a:t>
+            </a:r>
+            <a:r>
+              <a:rPr lang="en-US" dirty="0" smtClean="0"/>
+              <a:t>device</a:t>
+            </a:r>
+          </a:p>
+        </p:txBody>
+      </p:sp>
+      <p:sp>
+        <p:nvSpPr>
+          <p:cNvPr id="4" name="Espace réservé du numéro de diapositive 3"/>
+          <p:cNvSpPr>
+            <a:spLocks noGrp="1"/>
+          </p:cNvSpPr>
+          <p:nvPr>
+            <p:ph type="sldNum" sz="quarter" idx="12"/>
+          </p:nvPr>
+        </p:nvSpPr>
+        <p:spPr/>
+        <p:txBody>
+          <a:bodyPr/>
+          <a:lstStyle/>
+          <a:p>
+            <a:fld id="{AB9DB7C7-3B7A-421A-AF98-AB9FC2185CD3}" type="slidenum">
+              <a:rPr lang="fr-FR" smtClean="0"/>
+              <a:pPr/>
+              <a:t>4</a:t>
+            </a:fld>
+            <a:endParaRPr lang="fr-FR" dirty="0"/>
           </a:p>
         </p:txBody>
       </p:sp>
@@ -4118,7 +4615,30 @@
               <a:rPr lang="en-US" dirty="0" smtClean="0"/>
               <a:t>Media center</a:t>
             </a:r>
-            <a:endParaRPr lang="en-US" dirty="0" smtClean="0"/>
+          </a:p>
+        </p:txBody>
+      </p:sp>
+      <p:sp>
+        <p:nvSpPr>
+          <p:cNvPr id="4" name="Espace réservé du numéro de diapositive 3"/>
+          <p:cNvSpPr>
+            <a:spLocks noGrp="1"/>
+          </p:cNvSpPr>
+          <p:nvPr>
+            <p:ph type="sldNum" sz="quarter" idx="12"/>
+          </p:nvPr>
+        </p:nvSpPr>
+        <p:spPr/>
+        <p:txBody>
+          <a:bodyPr/>
+          <a:lstStyle/>
+          <a:p>
+            <a:fld id="{AB9DB7C7-3B7A-421A-AF98-AB9FC2185CD3}" type="slidenum">
+              <a:rPr lang="fr-FR" smtClean="0"/>
+              <a:pPr/>
+              <a:t>5</a:t>
+            </a:fld>
+            <a:endParaRPr lang="fr-FR" dirty="0"/>
           </a:p>
         </p:txBody>
       </p:sp>
@@ -4164,15 +4684,7 @@
           <a:p>
             <a:r>
               <a:rPr lang="en-US" smtClean="0"/>
-              <a:t>Approach</a:t>
-            </a:r>
-            <a:r>
-              <a:rPr lang="en-US" smtClean="0"/>
-              <a:t> </a:t>
-            </a:r>
-            <a:r>
-              <a:rPr lang="en-US" smtClean="0"/>
-              <a:t>solution</a:t>
+              <a:t>Approach solution</a:t>
             </a:r>
             <a:endParaRPr lang="en-US"/>
           </a:p>
@@ -4195,8 +4707,22 @@
           <a:p>
             <a:r>
               <a:rPr lang="en-US" dirty="0" smtClean="0"/>
-              <a:t>Limitations due to distance, accuracy, recognition…</a:t>
-            </a:r>
+              <a:t>Limitations due to distance, accuracy, recognition</a:t>
+            </a:r>
+            <a:r>
+              <a:rPr lang="en-US" dirty="0" smtClean="0"/>
+              <a:t>…</a:t>
+            </a:r>
+          </a:p>
+          <a:p>
+            <a:pPr lvl="1">
+              <a:buNone/>
+            </a:pPr>
+            <a:r>
+              <a:rPr lang="en-US" dirty="0" smtClean="0"/>
+              <a:t>(screen skeleton)</a:t>
+            </a:r>
+            <a:endParaRPr lang="en-US" dirty="0" smtClean="0"/>
           </a:p>
           <a:p>
             <a:r>
@@ -4209,7 +4735,30 @@
               <a:rPr lang="en-US" dirty="0" smtClean="0"/>
               <a:t>DirectX rendition</a:t>
             </a:r>
-            <a:endParaRPr lang="en-US" dirty="0" smtClean="0"/>
+          </a:p>
+        </p:txBody>
+      </p:sp>
+      <p:sp>
+        <p:nvSpPr>
+          <p:cNvPr id="4" name="Espace réservé du numéro de diapositive 3"/>
+          <p:cNvSpPr>
+            <a:spLocks noGrp="1"/>
+          </p:cNvSpPr>
+          <p:nvPr>
+            <p:ph type="sldNum" sz="quarter" idx="12"/>
+          </p:nvPr>
+        </p:nvSpPr>
+        <p:spPr/>
+        <p:txBody>
+          <a:bodyPr/>
+          <a:lstStyle/>
+          <a:p>
+            <a:fld id="{AB9DB7C7-3B7A-421A-AF98-AB9FC2185CD3}" type="slidenum">
+              <a:rPr lang="fr-FR" smtClean="0"/>
+              <a:pPr/>
+              <a:t>6</a:t>
+            </a:fld>
+            <a:endParaRPr lang="fr-FR" dirty="0"/>
           </a:p>
         </p:txBody>
       </p:sp>
@@ -4254,10 +4803,10 @@
           <a:lstStyle/>
           <a:p>
             <a:r>
-              <a:rPr lang="fr-FR" dirty="0" err="1" smtClean="0"/>
+              <a:rPr lang="en-US" smtClean="0"/>
               <a:t>Theory</a:t>
             </a:r>
-            <a:endParaRPr lang="fr-FR" dirty="0"/>
+            <a:endParaRPr lang="en-US"/>
           </a:p>
         </p:txBody>
       </p:sp>
@@ -4276,7 +4825,43 @@
           <a:bodyPr/>
           <a:lstStyle/>
           <a:p>
-            <a:endParaRPr lang="fr-FR"/>
+            <a:r>
+              <a:rPr lang="en-US" smtClean="0"/>
+              <a:t>Hand recognition</a:t>
+            </a:r>
+          </a:p>
+          <a:p>
+            <a:endParaRPr lang="en-US" smtClean="0"/>
+          </a:p>
+          <a:p>
+            <a:endParaRPr lang="en-US" smtClean="0"/>
+          </a:p>
+          <a:p>
+            <a:endParaRPr lang="en-US"/>
+          </a:p>
+        </p:txBody>
+      </p:sp>
+      <p:sp>
+        <p:nvSpPr>
+          <p:cNvPr id="4" name="Espace réservé du numéro de diapositive 3"/>
+          <p:cNvSpPr>
+            <a:spLocks noGrp="1"/>
+          </p:cNvSpPr>
+          <p:nvPr>
+            <p:ph type="sldNum" sz="quarter" idx="12"/>
+          </p:nvPr>
+        </p:nvSpPr>
+        <p:spPr/>
+        <p:txBody>
+          <a:bodyPr/>
+          <a:lstStyle/>
+          <a:p>
+            <a:fld id="{AB9DB7C7-3B7A-421A-AF98-AB9FC2185CD3}" type="slidenum">
+              <a:rPr lang="en-US" smtClean="0"/>
+              <a:pPr/>
+              <a:t>7</a:t>
+            </a:fld>
+            <a:endParaRPr lang="en-US"/>
           </a:p>
         </p:txBody>
       </p:sp>
@@ -4321,10 +4906,10 @@
           <a:lstStyle/>
           <a:p>
             <a:r>
-              <a:rPr lang="fr-FR" dirty="0" err="1" smtClean="0"/>
+              <a:rPr lang="en-US" smtClean="0"/>
               <a:t>Technical</a:t>
             </a:r>
-            <a:endParaRPr lang="fr-FR" dirty="0"/>
+            <a:endParaRPr lang="en-US"/>
           </a:p>
         </p:txBody>
       </p:sp>
@@ -4343,7 +4928,63 @@
           <a:bodyPr/>
           <a:lstStyle/>
           <a:p>
-            <a:endParaRPr lang="fr-FR"/>
+            <a:r>
+              <a:rPr lang="en-US" dirty="0" smtClean="0"/>
+              <a:t>Use of the graphical card</a:t>
+            </a:r>
+          </a:p>
+          <a:p>
+            <a:pPr>
+              <a:buNone/>
+            </a:pPr>
+            <a:r>
+              <a:rPr lang="en-US" dirty="0" smtClean="0"/>
+              <a:t>	Screens debug output</a:t>
+            </a:r>
+          </a:p>
+          <a:p>
+            <a:r>
+              <a:rPr lang="en-US" dirty="0" smtClean="0"/>
+              <a:t>DirectX rendition</a:t>
+            </a:r>
+          </a:p>
+          <a:p>
+            <a:pPr>
+              <a:buNone/>
+            </a:pPr>
+            <a:r>
+              <a:rPr lang="en-US" dirty="0" smtClean="0"/>
+              <a:t>	Screen </a:t>
+            </a:r>
+            <a:r>
+              <a:rPr lang="en-US" dirty="0" err="1" smtClean="0"/>
+              <a:t>etapes</a:t>
+            </a:r>
+            <a:endParaRPr lang="en-US" dirty="0"/>
+          </a:p>
+        </p:txBody>
+      </p:sp>
+      <p:sp>
+        <p:nvSpPr>
+          <p:cNvPr id="4" name="Espace réservé du numéro de diapositive 3"/>
+          <p:cNvSpPr>
+            <a:spLocks noGrp="1"/>
+          </p:cNvSpPr>
+          <p:nvPr>
+            <p:ph type="sldNum" sz="quarter" idx="12"/>
+          </p:nvPr>
+        </p:nvSpPr>
+        <p:spPr/>
+        <p:txBody>
+          <a:bodyPr/>
+          <a:lstStyle/>
+          <a:p>
+            <a:fld id="{AB9DB7C7-3B7A-421A-AF98-AB9FC2185CD3}" type="slidenum">
+              <a:rPr lang="en-US" smtClean="0"/>
+              <a:pPr/>
+              <a:t>8</a:t>
+            </a:fld>
+            <a:endParaRPr lang="en-US"/>
           </a:p>
         </p:txBody>
       </p:sp>
@@ -4388,10 +5029,10 @@
           <a:lstStyle/>
           <a:p>
             <a:r>
-              <a:rPr lang="fr-FR" dirty="0" err="1" smtClean="0"/>
+              <a:rPr lang="en-US" smtClean="0"/>
               <a:t>Results</a:t>
             </a:r>
-            <a:endParaRPr lang="fr-FR" dirty="0"/>
+            <a:endParaRPr lang="en-US"/>
           </a:p>
         </p:txBody>
       </p:sp>
@@ -4411,10 +5052,38 @@
           <a:lstStyle/>
           <a:p>
             <a:r>
-              <a:rPr lang="fr-FR" dirty="0" smtClean="0"/>
-              <a:t>Web browser</a:t>
-            </a:r>
-            <a:endParaRPr lang="fr-FR" dirty="0"/>
+              <a:rPr lang="en-US" smtClean="0"/>
+              <a:t>Web </a:t>
+            </a:r>
+            <a:r>
+              <a:rPr lang="en-US" smtClean="0"/>
+              <a:t>browser</a:t>
+            </a:r>
+            <a:endParaRPr lang="en-US"/>
+          </a:p>
+        </p:txBody>
+      </p:sp>
+      <p:sp>
+        <p:nvSpPr>
+          <p:cNvPr id="4" name="Espace réservé du numéro de diapositive 3"/>
+          <p:cNvSpPr>
+            <a:spLocks noGrp="1"/>
+          </p:cNvSpPr>
+          <p:nvPr>
+            <p:ph type="sldNum" sz="quarter" idx="12"/>
+          </p:nvPr>
+        </p:nvSpPr>
+        <p:spPr/>
+        <p:txBody>
+          <a:bodyPr/>
+          <a:lstStyle/>
+          <a:p>
+            <a:fld id="{AB9DB7C7-3B7A-421A-AF98-AB9FC2185CD3}" type="slidenum">
+              <a:rPr lang="en-US" smtClean="0"/>
+              <a:pPr/>
+              <a:t>9</a:t>
+            </a:fld>
+            <a:endParaRPr lang="en-US"/>
           </a:p>
         </p:txBody>
       </p:sp>
@@ -4752,4 +5421,287 @@
   <a:objectDefaults/>
   <a:extraClrSchemeLst/>
 </a:theme>
+</file>
+
+<file path=ppt/theme/theme2.xml><?xml version="1.0" encoding="utf-8"?>
+<a:theme xmlns:a="http://schemas.openxmlformats.org/drawingml/2006/main" name="Thème Office">
+  <a:themeElements>
+    <a:clrScheme name="Office">
+      <a:dk1>
+        <a:sysClr val="windowText" lastClr="000000"/>
+      </a:dk1>
+      <a:lt1>
+        <a:sysClr val="window" lastClr="FFFFFF"/>
+      </a:lt1>
+      <a:dk2>
+        <a:srgbClr val="1F497D"/>
+      </a:dk2>
+      <a:lt2>
+        <a:srgbClr val="EEECE1"/>
+      </a:lt2>
+      <a:accent1>
+        <a:srgbClr val="4F81BD"/>
+      </a:accent1>
+      <a:accent2>
+        <a:srgbClr val="C0504D"/>
+      </a:accent2>
+      <a:accent3>
+        <a:srgbClr val="9BBB59"/>
+      </a:accent3>
+      <a:accent4>
+        <a:srgbClr val="8064A2"/>
+      </a:accent4>
+      <a:accent5>
+        <a:srgbClr val="4BACC6"/>
+      </a:accent5>
+      <a:accent6>
+        <a:srgbClr val="F79646"/>
+      </a:accent6>
+      <a:hlink>
+        <a:srgbClr val="0000FF"/>
+      </a:hlink>
+      <a:folHlink>
+        <a:srgbClr val="800080"/>
+      </a:folHlink>
+    </a:clrScheme>
+    <a:fontScheme name="Office">
+      <a:majorFont>
+        <a:latin typeface="Calibri"/>
+        <a:ea typeface=""/>
+        <a:cs typeface=""/>
+        <a:font script="Jpan" typeface="ＭＳ Ｐゴシック"/>
+        <a:font script="Hang" typeface="맑은 고딕"/>
+        <a:font script="Hans" typeface="宋体"/>
+        <a:font script="Hant" typeface="新細明體"/>
+        <a:font script="Arab" typeface="Times New Roman"/>
+        <a:font script="Hebr" typeface="Times New Roman"/>
+        <a:font script="Thai" typeface="Angsana New"/>
+        <a:font script="Ethi" typeface="Nyala"/>
+        <a:font script="Beng" typeface="Vrinda"/>
+        <a:font script="Gujr" typeface="Shruti"/>
+        <a:font script="Khmr" typeface="MoolBoran"/>
+        <a:font script="Knda" typeface="Tunga"/>
+        <a:font script="Guru" typeface="Raavi"/>
+        <a:font script="Cans" typeface="Euphemia"/>
+        <a:font script="Cher" typeface="Plantagenet Cherokee"/>
+        <a:font script="Yiii" typeface="Microsoft Yi Baiti"/>
+        <a:font script="Tibt" typeface="Microsoft Himalaya"/>
+        <a:font script="Thaa" typeface="MV Boli"/>
+        <a:font script="Deva" typeface="Mangal"/>
+        <a:font script="Telu" typeface="Gautami"/>
+        <a:font script="Taml" typeface="Latha"/>
+        <a:font script="Syrc" typeface="Estrangelo Edessa"/>
+        <a:font script="Orya" typeface="Kalinga"/>
+        <a:font script="Mlym" typeface="Kartika"/>
+        <a:font script="Laoo" typeface="DokChampa"/>
+        <a:font script="Sinh" typeface="Iskoola Pota"/>
+        <a:font script="Mong" typeface="Mongolian Baiti"/>
+        <a:font script="Viet" typeface="Times New Roman"/>
+        <a:font script="Uigh" typeface="Microsoft Uighur"/>
+      </a:majorFont>
+      <a:minorFont>
+        <a:latin typeface="Calibri"/>
+        <a:ea typeface=""/>
+        <a:cs typeface=""/>
+        <a:font script="Jpan" typeface="ＭＳ Ｐゴシック"/>
+        <a:font script="Hang" typeface="맑은 고딕"/>
+        <a:font script="Hans" typeface="宋体"/>
+        <a:font script="Hant" typeface="新細明體"/>
+        <a:font script="Arab" typeface="Arial"/>
+        <a:font script="Hebr" typeface="Arial"/>
+        <a:font script="Thai" typeface="Cordia New"/>
+        <a:font script="Ethi" typeface="Nyala"/>
+        <a:font script="Beng" typeface="Vrinda"/>
+        <a:font script="Gujr" typeface="Shruti"/>
+        <a:font script="Khmr" typeface="DaunPenh"/>
+        <a:font script="Knda" typeface="Tunga"/>
+        <a:font script="Guru" typeface="Raavi"/>
+        <a:font script="Cans" typeface="Euphemia"/>
+        <a:font script="Cher" typeface="Plantagenet Cherokee"/>
+        <a:font script="Yiii" typeface="Microsoft Yi Baiti"/>
+        <a:font script="Tibt" typeface="Microsoft Himalaya"/>
+        <a:font script="Thaa" typeface="MV Boli"/>
+        <a:font script="Deva" typeface="Mangal"/>
+        <a:font script="Telu" typeface="Gautami"/>
+        <a:font script="Taml" typeface="Latha"/>
+        <a:font script="Syrc" typeface="Estrangelo Edessa"/>
+        <a:font script="Orya" typeface="Kalinga"/>
+        <a:font script="Mlym" typeface="Kartika"/>
+        <a:font script="Laoo" typeface="DokChampa"/>
+        <a:font script="Sinh" typeface="Iskoola Pota"/>
+        <a:font script="Mong" typeface="Mongolian Baiti"/>
+        <a:font script="Viet" typeface="Arial"/>
+        <a:font script="Uigh" typeface="Microsoft Uighur"/>
+      </a:minorFont>
+    </a:fontScheme>
+    <a:fmtScheme name="Office">
+      <a:fillStyleLst>
+        <a:solidFill>
+          <a:schemeClr val="phClr"/>
+        </a:solidFill>
+        <a:gradFill rotWithShape="1">
+          <a:gsLst>
+            <a:gs pos="0">
+              <a:schemeClr val="phClr">
+                <a:tint val="50000"/>
+                <a:satMod val="300000"/>
+              </a:schemeClr>
+            </a:gs>
+            <a:gs pos="35000">
+              <a:schemeClr val="phClr">
+                <a:tint val="37000"/>
+                <a:satMod val="300000"/>
+              </a:schemeClr>
+            </a:gs>
+            <a:gs pos="100000">
+              <a:schemeClr val="phClr">
+                <a:tint val="15000"/>
+                <a:satMod val="350000"/>
+              </a:schemeClr>
+            </a:gs>
+          </a:gsLst>
+          <a:lin ang="16200000" scaled="1"/>
+        </a:gradFill>
+        <a:gradFill rotWithShape="1">
+          <a:gsLst>
+            <a:gs pos="0">
+              <a:schemeClr val="phClr">
+                <a:shade val="51000"/>
+                <a:satMod val="130000"/>
+              </a:schemeClr>
+            </a:gs>
+            <a:gs pos="80000">
+              <a:schemeClr val="phClr">
+                <a:shade val="93000"/>
+                <a:satMod val="130000"/>
+              </a:schemeClr>
+            </a:gs>
+            <a:gs pos="100000">
+              <a:schemeClr val="phClr">
+                <a:shade val="94000"/>
+                <a:satMod val="135000"/>
+              </a:schemeClr>
+            </a:gs>
+          </a:gsLst>
+          <a:lin ang="16200000" scaled="0"/>
+        </a:gradFill>
+      </a:fillStyleLst>
+      <a:lnStyleLst>
+        <a:ln w="9525" cap="flat" cmpd="sng" algn="ctr">
+          <a:solidFill>
+            <a:schemeClr val="phClr">
+              <a:shade val="95000"/>
+              <a:satMod val="105000"/>
+            </a:schemeClr>
+          </a:solidFill>
+          <a:prstDash val="solid"/>
+        </a:ln>
+        <a:ln w="25400" cap="flat" cmpd="sng" algn="ctr">
+          <a:solidFill>
+            <a:schemeClr val="phClr"/>
+          </a:solidFill>
+          <a:prstDash val="solid"/>
+        </a:ln>
+        <a:ln w="38100" cap="flat" cmpd="sng" algn="ctr">
+          <a:solidFill>
+            <a:schemeClr val="phClr"/>
+          </a:solidFill>
+          <a:prstDash val="solid"/>
+        </a:ln>
+      </a:lnStyleLst>
+      <a:effectStyleLst>
+        <a:effectStyle>
+          <a:effectLst>
+            <a:outerShdw blurRad="40000" dist="20000" dir="5400000" rotWithShape="0">
+              <a:srgbClr val="000000">
+                <a:alpha val="38000"/>
+              </a:srgbClr>
+            </a:outerShdw>
+          </a:effectLst>
+        </a:effectStyle>
+        <a:effectStyle>
+          <a:effectLst>
+            <a:outerShdw blurRad="40000" dist="23000" dir="5400000" rotWithShape="0">
+              <a:srgbClr val="000000">
+                <a:alpha val="35000"/>
+              </a:srgbClr>
+            </a:outerShdw>
+          </a:effectLst>
+        </a:effectStyle>
+        <a:effectStyle>
+          <a:effectLst>
+            <a:outerShdw blurRad="40000" dist="23000" dir="5400000" rotWithShape="0">
+              <a:srgbClr val="000000">
+                <a:alpha val="35000"/>
+              </a:srgbClr>
+            </a:outerShdw>
+          </a:effectLst>
+          <a:scene3d>
+            <a:camera prst="orthographicFront">
+              <a:rot lat="0" lon="0" rev="0"/>
+            </a:camera>
+            <a:lightRig rig="threePt" dir="t">
+              <a:rot lat="0" lon="0" rev="1200000"/>
+            </a:lightRig>
+          </a:scene3d>
+          <a:sp3d>
+            <a:bevelT w="63500" h="25400"/>
+          </a:sp3d>
+        </a:effectStyle>
+      </a:effectStyleLst>
+      <a:bgFillStyleLst>
+        <a:solidFill>
+          <a:schemeClr val="phClr"/>
+        </a:solidFill>
+        <a:gradFill rotWithShape="1">
+          <a:gsLst>
+            <a:gs pos="0">
+              <a:schemeClr val="phClr">
+                <a:tint val="40000"/>
+                <a:satMod val="350000"/>
+              </a:schemeClr>
+            </a:gs>
+            <a:gs pos="40000">
+              <a:schemeClr val="phClr">
+                <a:tint val="45000"/>
+                <a:shade val="99000"/>
+                <a:satMod val="350000"/>
+              </a:schemeClr>
+            </a:gs>
+            <a:gs pos="100000">
+              <a:schemeClr val="phClr">
+                <a:shade val="20000"/>
+                <a:satMod val="255000"/>
+              </a:schemeClr>
+            </a:gs>
+          </a:gsLst>
+          <a:path path="circle">
+            <a:fillToRect l="50000" t="-80000" r="50000" b="180000"/>
+          </a:path>
+        </a:gradFill>
+        <a:gradFill rotWithShape="1">
+          <a:gsLst>
+            <a:gs pos="0">
+              <a:schemeClr val="phClr">
+                <a:tint val="80000"/>
+                <a:satMod val="300000"/>
+              </a:schemeClr>
+            </a:gs>
+            <a:gs pos="100000">
+              <a:schemeClr val="phClr">
+                <a:shade val="30000"/>
+                <a:satMod val="200000"/>
+              </a:schemeClr>
+            </a:gs>
+          </a:gsLst>
+          <a:path path="circle">
+            <a:fillToRect l="50000" t="50000" r="50000" b="50000"/>
+          </a:path>
+        </a:gradFill>
+      </a:bgFillStyleLst>
+    </a:fmtScheme>
+  </a:themeElements>
+  <a:objectDefaults/>
+  <a:extraClrSchemeLst/>
+</a:theme>
 </file>
--- a/Pr�sentation_NUI.pptx
+++ b/Pr�sentation_NUI.pptx
@@ -201,7 +201,8 @@
           <a:p>
             <a:fld id="{2203E90B-0CDC-4675-8BC8-ABC960C3C4BD}" type="datetimeFigureOut">
               <a:rPr lang="fr-FR" smtClean="0"/>
-              <a:t>02/12/2011</a:t>
+              <a:pPr/>
+              <a:t>06/12/2011</a:t>
             </a:fld>
             <a:endParaRPr lang="fr-FR"/>
           </a:p>
@@ -362,6 +363,7 @@
           <a:p>
             <a:fld id="{2AC8731D-2D87-440C-8698-DB210FC0FD5A}" type="slidenum">
               <a:rPr lang="fr-FR" smtClean="0"/>
+              <a:pPr/>
               <a:t>‹N°›</a:t>
             </a:fld>
             <a:endParaRPr lang="fr-FR"/>
@@ -848,9 +850,9 @@
           <a:bodyPr/>
           <a:lstStyle/>
           <a:p>
-            <a:fld id="{B30708D4-7584-4BF6-A650-DE44C1156BBE}" type="datetime1">
-              <a:rPr lang="fr-FR" smtClean="0"/>
-              <a:t>02/12/2011</a:t>
+            <a:fld id="{7FE745BF-AED8-4079-86B5-94776AA709CD}" type="datetime1">
+              <a:rPr lang="fr-FR" smtClean="0"/>
+              <a:t>06/12/2011</a:t>
             </a:fld>
             <a:endParaRPr lang="fr-FR" dirty="0"/>
           </a:p>
@@ -1014,9 +1016,9 @@
           <a:bodyPr/>
           <a:lstStyle/>
           <a:p>
-            <a:fld id="{DC6C8D68-5EC8-4DAE-B865-AB0CF7A05890}" type="datetime1">
-              <a:rPr lang="fr-FR" smtClean="0"/>
-              <a:t>02/12/2011</a:t>
+            <a:fld id="{8BADFC06-5AC4-476A-8FD2-54DE0E426D90}" type="datetime1">
+              <a:rPr lang="fr-FR" smtClean="0"/>
+              <a:t>06/12/2011</a:t>
             </a:fld>
             <a:endParaRPr lang="fr-FR" dirty="0"/>
           </a:p>
@@ -1190,9 +1192,9 @@
           <a:bodyPr/>
           <a:lstStyle/>
           <a:p>
-            <a:fld id="{2A5DD0C9-B39E-4579-A0F4-60D95B587322}" type="datetime1">
-              <a:rPr lang="fr-FR" smtClean="0"/>
-              <a:t>02/12/2011</a:t>
+            <a:fld id="{271E89F4-7B08-401C-94CC-1E6E90A77743}" type="datetime1">
+              <a:rPr lang="fr-FR" smtClean="0"/>
+              <a:t>06/12/2011</a:t>
             </a:fld>
             <a:endParaRPr lang="fr-FR" dirty="0"/>
           </a:p>
@@ -1360,9 +1362,9 @@
           <a:bodyPr/>
           <a:lstStyle/>
           <a:p>
-            <a:fld id="{71A09DD0-4C1B-4AFD-8F21-EDAB9B544313}" type="datetime1">
-              <a:rPr lang="fr-FR" smtClean="0"/>
-              <a:t>02/12/2011</a:t>
+            <a:fld id="{B8D51CD3-FD0B-4398-96D6-10844A344A7A}" type="datetime1">
+              <a:rPr lang="fr-FR" smtClean="0"/>
+              <a:t>06/12/2011</a:t>
             </a:fld>
             <a:endParaRPr lang="fr-FR" dirty="0"/>
           </a:p>
@@ -1816,9 +1818,9 @@
           <a:bodyPr/>
           <a:lstStyle/>
           <a:p>
-            <a:fld id="{E166F0C0-D556-499B-9FF1-918CFAF227BB}" type="datetime1">
-              <a:rPr lang="fr-FR" smtClean="0"/>
-              <a:t>02/12/2011</a:t>
+            <a:fld id="{5272A46D-708F-4429-9728-C0AAA1D8ED70}" type="datetime1">
+              <a:rPr lang="fr-FR" smtClean="0"/>
+              <a:t>06/12/2011</a:t>
             </a:fld>
             <a:endParaRPr lang="fr-FR" dirty="0"/>
           </a:p>
@@ -2081,9 +2083,9 @@
           <a:bodyPr/>
           <a:lstStyle/>
           <a:p>
-            <a:fld id="{A760B116-56C7-4AEE-86E9-01B08BB24BCB}" type="datetime1">
-              <a:rPr lang="fr-FR" smtClean="0"/>
-              <a:t>02/12/2011</a:t>
+            <a:fld id="{85176319-0B46-44DD-88B8-E7F3AAD4F2DF}" type="datetime1">
+              <a:rPr lang="fr-FR" smtClean="0"/>
+              <a:t>06/12/2011</a:t>
             </a:fld>
             <a:endParaRPr lang="fr-FR" dirty="0"/>
           </a:p>
@@ -2456,9 +2458,9 @@
           <a:bodyPr/>
           <a:lstStyle/>
           <a:p>
-            <a:fld id="{563245F5-B3C6-4A6F-86D9-CF9561FD3921}" type="datetime1">
-              <a:rPr lang="fr-FR" smtClean="0"/>
-              <a:t>02/12/2011</a:t>
+            <a:fld id="{2587345E-05A6-495C-A1A1-170A1A91A394}" type="datetime1">
+              <a:rPr lang="fr-FR" smtClean="0"/>
+              <a:t>06/12/2011</a:t>
             </a:fld>
             <a:endParaRPr lang="fr-FR" dirty="0"/>
           </a:p>
@@ -2579,9 +2581,9 @@
           <a:bodyPr/>
           <a:lstStyle/>
           <a:p>
-            <a:fld id="{6FD4DD31-4896-42CC-B1ED-6262A46F9DBA}" type="datetime1">
-              <a:rPr lang="fr-FR" smtClean="0"/>
-              <a:t>02/12/2011</a:t>
+            <a:fld id="{172809C5-74F0-4FD7-9204-0F8A8FB1929B}" type="datetime1">
+              <a:rPr lang="fr-FR" smtClean="0"/>
+              <a:t>06/12/2011</a:t>
             </a:fld>
             <a:endParaRPr lang="fr-FR" dirty="0"/>
           </a:p>
@@ -2670,9 +2672,9 @@
           <a:bodyPr/>
           <a:lstStyle/>
           <a:p>
-            <a:fld id="{5B46C9AF-6816-44A8-8C17-08728961F6E4}" type="datetime1">
-              <a:rPr lang="fr-FR" smtClean="0"/>
-              <a:t>02/12/2011</a:t>
+            <a:fld id="{7786A093-8429-44F1-808A-11360C2CAA55}" type="datetime1">
+              <a:rPr lang="fr-FR" smtClean="0"/>
+              <a:t>06/12/2011</a:t>
             </a:fld>
             <a:endParaRPr lang="fr-FR" dirty="0"/>
           </a:p>
@@ -2920,9 +2922,9 @@
           <a:bodyPr/>
           <a:lstStyle/>
           <a:p>
-            <a:fld id="{5176E305-E42F-44BF-9092-B0DEE6901066}" type="datetime1">
-              <a:rPr lang="fr-FR" smtClean="0"/>
-              <a:t>02/12/2011</a:t>
+            <a:fld id="{FE18F5A1-6F3E-41A1-AC38-A5948C92E970}" type="datetime1">
+              <a:rPr lang="fr-FR" smtClean="0"/>
+              <a:t>06/12/2011</a:t>
             </a:fld>
             <a:endParaRPr lang="fr-FR" dirty="0"/>
           </a:p>
@@ -3180,9 +3182,9 @@
           <a:bodyPr/>
           <a:lstStyle/>
           <a:p>
-            <a:fld id="{EA187218-CA78-4EEF-B7DF-7BD32F9B4928}" type="datetime1">
-              <a:rPr lang="fr-FR" smtClean="0"/>
-              <a:t>02/12/2011</a:t>
+            <a:fld id="{42D0C6D8-1219-406E-8CD6-FA778B9D3E63}" type="datetime1">
+              <a:rPr lang="fr-FR" smtClean="0"/>
+              <a:t>06/12/2011</a:t>
             </a:fld>
             <a:endParaRPr lang="fr-FR" dirty="0"/>
           </a:p>
@@ -3585,9 +3587,9 @@
             </a:lvl1pPr>
           </a:lstStyle>
           <a:p>
-            <a:fld id="{0652115D-2F52-41EB-87E3-784951E7A5EB}" type="datetime1">
-              <a:rPr lang="fr-FR" smtClean="0"/>
-              <a:t>02/12/2011</a:t>
+            <a:fld id="{CC7C295D-0E21-434D-B466-C466C8EF3B27}" type="datetime1">
+              <a:rPr lang="fr-FR" smtClean="0"/>
+              <a:t>06/12/2011</a:t>
             </a:fld>
             <a:endParaRPr lang="fr-FR" dirty="0"/>
           </a:p>
@@ -4035,6 +4037,10 @@
           <a:bodyPr/>
           <a:lstStyle/>
           <a:p>
+            <a:r>
+              <a:rPr lang="fr-FR" dirty="0" smtClean="0"/>
+              <a:t>LUCCIN Karim – LUONG Kevin</a:t>
+            </a:r>
             <a:endParaRPr lang="fr-FR" dirty="0" smtClean="0"/>
           </a:p>
         </p:txBody>
@@ -4358,24 +4364,25 @@
             <a:pPr lvl="1"/>
             <a:r>
               <a:rPr lang="en-US" dirty="0" smtClean="0"/>
-              <a:t>Games (screen </a:t>
-            </a:r>
-            <a:r>
-              <a:rPr lang="en-US" dirty="0" err="1" smtClean="0"/>
-              <a:t>jeu</a:t>
-            </a:r>
+              <a:t>Games</a:t>
+            </a:r>
+            <a:endParaRPr lang="en-US" dirty="0" smtClean="0"/>
+          </a:p>
+          <a:p>
+            <a:pPr lvl="1"/>
             <a:r>
               <a:rPr lang="en-US" dirty="0" smtClean="0"/>
-              <a:t> Kinect)</a:t>
-            </a:r>
+              <a:t>Devices</a:t>
+            </a:r>
+          </a:p>
+          <a:p>
+            <a:pPr lvl="1"/>
             <a:endParaRPr lang="en-US" dirty="0" smtClean="0"/>
           </a:p>
           <a:p>
-            <a:pPr lvl="1"/>
-            <a:r>
-              <a:rPr lang="en-US" dirty="0" smtClean="0"/>
-              <a:t>Devices (screen table tactile)</a:t>
-            </a:r>
+            <a:pPr lvl="1">
+              <a:buNone/>
+            </a:pPr>
             <a:endParaRPr lang="en-US" dirty="0" smtClean="0"/>
           </a:p>
           <a:p>
@@ -4410,6 +4417,54 @@
           </a:p>
         </p:txBody>
       </p:sp>
+      <p:pic>
+        <p:nvPicPr>
+          <p:cNvPr id="5" name="Image 4" descr="KinectSports_Xbox360.jpg"/>
+          <p:cNvPicPr>
+            <a:picLocks noChangeAspect="1"/>
+          </p:cNvPicPr>
+          <p:nvPr/>
+        </p:nvPicPr>
+        <p:blipFill>
+          <a:blip r:embed="rId2" cstate="print"/>
+          <a:stretch>
+            <a:fillRect/>
+          </a:stretch>
+        </p:blipFill>
+        <p:spPr>
+          <a:xfrm>
+            <a:off x="2987824" y="2636912"/>
+            <a:ext cx="2243081" cy="1584176"/>
+          </a:xfrm>
+          <a:prstGeom prst="rect">
+            <a:avLst/>
+          </a:prstGeom>
+        </p:spPr>
+      </p:pic>
+      <p:pic>
+        <p:nvPicPr>
+          <p:cNvPr id="6" name="Image 5" descr="145388-Amnesia_Connect_PR2.jpg"/>
+          <p:cNvPicPr>
+            <a:picLocks noChangeAspect="1"/>
+          </p:cNvPicPr>
+          <p:nvPr/>
+        </p:nvPicPr>
+        <p:blipFill>
+          <a:blip r:embed="rId3" cstate="print"/>
+          <a:stretch>
+            <a:fillRect/>
+          </a:stretch>
+        </p:blipFill>
+        <p:spPr>
+          <a:xfrm>
+            <a:off x="5652120" y="2636912"/>
+            <a:ext cx="2177205" cy="1584176"/>
+          </a:xfrm>
+          <a:prstGeom prst="rect">
+            <a:avLst/>
+          </a:prstGeom>
+        </p:spPr>
+      </p:pic>
     </p:spTree>
   </p:cSld>
   <p:clrMapOvr>
@@ -4465,7 +4520,7 @@
             <a:spLocks noGrp="1"/>
           </p:cNvSpPr>
           <p:nvPr>
-            <p:ph idx="1"/>
+            <p:ph sz="half" idx="1"/>
           </p:nvPr>
         </p:nvSpPr>
         <p:spPr/>
@@ -4487,15 +4542,42 @@
           <a:p>
             <a:r>
               <a:rPr lang="en-US" dirty="0" smtClean="0"/>
-              <a:t>Microsoft Kinect is under rated, nobody uses the Kinect as a camera but only as a gaming </a:t>
+              <a:t>N</a:t>
             </a:r>
             <a:r>
               <a:rPr lang="en-US" dirty="0" smtClean="0"/>
-              <a:t>device</a:t>
-            </a:r>
-          </a:p>
-        </p:txBody>
-      </p:sp>
+              <a:t>obody </a:t>
+            </a:r>
+            <a:r>
+              <a:rPr lang="en-US" dirty="0" smtClean="0"/>
+              <a:t>uses the Kinect as a camera but only as a gaming device</a:t>
+            </a:r>
+          </a:p>
+        </p:txBody>
+      </p:sp>
+      <p:pic>
+        <p:nvPicPr>
+          <p:cNvPr id="7" name="Espace réservé du contenu 6" descr="minority-report.jpg"/>
+          <p:cNvPicPr>
+            <a:picLocks noGrp="1" noChangeAspect="1"/>
+          </p:cNvPicPr>
+          <p:nvPr>
+            <p:ph sz="half" idx="2"/>
+          </p:nvPr>
+        </p:nvPicPr>
+        <p:blipFill>
+          <a:blip r:embed="rId2" cstate="print"/>
+          <a:stretch>
+            <a:fillRect/>
+          </a:stretch>
+        </p:blipFill>
+        <p:spPr>
+          <a:xfrm>
+            <a:off x="4724400" y="2089245"/>
+            <a:ext cx="2743200" cy="3547872"/>
+          </a:xfrm>
+        </p:spPr>
+      </p:pic>
       <p:sp>
         <p:nvSpPr>
           <p:cNvPr id="4" name="Espace réservé du numéro de diapositive 3"/>
@@ -4707,11 +4789,7 @@
           <a:p>
             <a:r>
               <a:rPr lang="en-US" dirty="0" smtClean="0"/>
-              <a:t>Limitations due to distance, accuracy, recognition</a:t>
-            </a:r>
-            <a:r>
-              <a:rPr lang="en-US" dirty="0" smtClean="0"/>
-              <a:t>…</a:t>
+              <a:t>Limitations due to distance, accuracy, recognition…</a:t>
             </a:r>
           </a:p>
           <a:p>
@@ -4722,7 +4800,6 @@
               <a:rPr lang="en-US" dirty="0" smtClean="0"/>
               <a:t>(screen skeleton)</a:t>
             </a:r>
-            <a:endParaRPr lang="en-US" dirty="0" smtClean="0"/>
           </a:p>
           <a:p>
             <a:r>
@@ -4826,18 +4903,22 @@
           <a:lstStyle/>
           <a:p>
             <a:r>
-              <a:rPr lang="en-US" smtClean="0"/>
-              <a:t>Hand recognition</a:t>
-            </a:r>
-          </a:p>
-          <a:p>
-            <a:endParaRPr lang="en-US" smtClean="0"/>
-          </a:p>
-          <a:p>
-            <a:endParaRPr lang="en-US" smtClean="0"/>
-          </a:p>
-          <a:p>
-            <a:endParaRPr lang="en-US"/>
+              <a:rPr lang="en-US" dirty="0" smtClean="0"/>
+              <a:t>Hand/movement </a:t>
+            </a:r>
+            <a:r>
+              <a:rPr lang="en-US" dirty="0" smtClean="0"/>
+              <a:t>recognition</a:t>
+            </a:r>
+          </a:p>
+          <a:p>
+            <a:endParaRPr lang="en-US" dirty="0" smtClean="0"/>
+          </a:p>
+          <a:p>
+            <a:endParaRPr lang="en-US" dirty="0" smtClean="0"/>
+          </a:p>
+          <a:p>
+            <a:endParaRPr lang="en-US" dirty="0"/>
           </a:p>
         </p:txBody>
       </p:sp>
@@ -4939,8 +5020,18 @@
             </a:pPr>
             <a:r>
               <a:rPr lang="en-US" dirty="0" smtClean="0"/>
-              <a:t>	Screens debug output</a:t>
-            </a:r>
+              <a:t>	Screens debug </a:t>
+            </a:r>
+            <a:r>
+              <a:rPr lang="en-US" dirty="0" smtClean="0"/>
+              <a:t>output</a:t>
+            </a:r>
+          </a:p>
+          <a:p>
+            <a:pPr>
+              <a:buNone/>
+            </a:pPr>
+            <a:endParaRPr lang="en-US" dirty="0" smtClean="0"/>
           </a:p>
           <a:p>
             <a:r>
@@ -5052,14 +5143,14 @@
           <a:lstStyle/>
           <a:p>
             <a:r>
-              <a:rPr lang="en-US" smtClean="0"/>
-              <a:t>Web </a:t>
-            </a:r>
-            <a:r>
-              <a:rPr lang="en-US" smtClean="0"/>
+              <a:rPr lang="en-US" dirty="0" smtClean="0"/>
+              <a:t>Demo Web </a:t>
+            </a:r>
+            <a:r>
+              <a:rPr lang="en-US" dirty="0" smtClean="0"/>
               <a:t>browser</a:t>
             </a:r>
-            <a:endParaRPr lang="en-US"/>
+            <a:endParaRPr lang="en-US" dirty="0"/>
           </a:p>
         </p:txBody>
       </p:sp>

--- a/Pr�sentation_NUI.pptx
+++ b/Pr�sentation_NUI.pptx
@@ -852,6 +852,7 @@
           <a:p>
             <a:fld id="{7FE745BF-AED8-4079-86B5-94776AA709CD}" type="datetime1">
               <a:rPr lang="fr-FR" smtClean="0"/>
+              <a:pPr/>
               <a:t>06/12/2011</a:t>
             </a:fld>
             <a:endParaRPr lang="fr-FR" dirty="0"/>
@@ -1018,6 +1019,7 @@
           <a:p>
             <a:fld id="{8BADFC06-5AC4-476A-8FD2-54DE0E426D90}" type="datetime1">
               <a:rPr lang="fr-FR" smtClean="0"/>
+              <a:pPr/>
               <a:t>06/12/2011</a:t>
             </a:fld>
             <a:endParaRPr lang="fr-FR" dirty="0"/>
@@ -1194,6 +1196,7 @@
           <a:p>
             <a:fld id="{271E89F4-7B08-401C-94CC-1E6E90A77743}" type="datetime1">
               <a:rPr lang="fr-FR" smtClean="0"/>
+              <a:pPr/>
               <a:t>06/12/2011</a:t>
             </a:fld>
             <a:endParaRPr lang="fr-FR" dirty="0"/>
@@ -1364,6 +1367,7 @@
           <a:p>
             <a:fld id="{B8D51CD3-FD0B-4398-96D6-10844A344A7A}" type="datetime1">
               <a:rPr lang="fr-FR" smtClean="0"/>
+              <a:pPr/>
               <a:t>06/12/2011</a:t>
             </a:fld>
             <a:endParaRPr lang="fr-FR" dirty="0"/>
@@ -1820,6 +1824,7 @@
           <a:p>
             <a:fld id="{5272A46D-708F-4429-9728-C0AAA1D8ED70}" type="datetime1">
               <a:rPr lang="fr-FR" smtClean="0"/>
+              <a:pPr/>
               <a:t>06/12/2011</a:t>
             </a:fld>
             <a:endParaRPr lang="fr-FR" dirty="0"/>
@@ -2085,6 +2090,7 @@
           <a:p>
             <a:fld id="{85176319-0B46-44DD-88B8-E7F3AAD4F2DF}" type="datetime1">
               <a:rPr lang="fr-FR" smtClean="0"/>
+              <a:pPr/>
               <a:t>06/12/2011</a:t>
             </a:fld>
             <a:endParaRPr lang="fr-FR" dirty="0"/>
@@ -2460,6 +2466,7 @@
           <a:p>
             <a:fld id="{2587345E-05A6-495C-A1A1-170A1A91A394}" type="datetime1">
               <a:rPr lang="fr-FR" smtClean="0"/>
+              <a:pPr/>
               <a:t>06/12/2011</a:t>
             </a:fld>
             <a:endParaRPr lang="fr-FR" dirty="0"/>
@@ -2583,6 +2590,7 @@
           <a:p>
             <a:fld id="{172809C5-74F0-4FD7-9204-0F8A8FB1929B}" type="datetime1">
               <a:rPr lang="fr-FR" smtClean="0"/>
+              <a:pPr/>
               <a:t>06/12/2011</a:t>
             </a:fld>
             <a:endParaRPr lang="fr-FR" dirty="0"/>
@@ -2674,6 +2682,7 @@
           <a:p>
             <a:fld id="{7786A093-8429-44F1-808A-11360C2CAA55}" type="datetime1">
               <a:rPr lang="fr-FR" smtClean="0"/>
+              <a:pPr/>
               <a:t>06/12/2011</a:t>
             </a:fld>
             <a:endParaRPr lang="fr-FR" dirty="0"/>
@@ -2924,6 +2933,7 @@
           <a:p>
             <a:fld id="{FE18F5A1-6F3E-41A1-AC38-A5948C92E970}" type="datetime1">
               <a:rPr lang="fr-FR" smtClean="0"/>
+              <a:pPr/>
               <a:t>06/12/2011</a:t>
             </a:fld>
             <a:endParaRPr lang="fr-FR" dirty="0"/>
@@ -3184,6 +3194,7 @@
           <a:p>
             <a:fld id="{42D0C6D8-1219-406E-8CD6-FA778B9D3E63}" type="datetime1">
               <a:rPr lang="fr-FR" smtClean="0"/>
+              <a:pPr/>
               <a:t>06/12/2011</a:t>
             </a:fld>
             <a:endParaRPr lang="fr-FR" dirty="0"/>
@@ -3589,6 +3600,7 @@
           <a:p>
             <a:fld id="{CC7C295D-0E21-434D-B466-C466C8EF3B27}" type="datetime1">
               <a:rPr lang="fr-FR" smtClean="0"/>
+              <a:pPr/>
               <a:t>06/12/2011</a:t>
             </a:fld>
             <a:endParaRPr lang="fr-FR" dirty="0"/>
@@ -4039,7 +4051,15 @@
           <a:p>
             <a:r>
               <a:rPr lang="fr-FR" dirty="0" smtClean="0"/>
-              <a:t>LUCCIN Karim – LUONG Kevin</a:t>
+              <a:t>LUCCIN </a:t>
+            </a:r>
+            <a:r>
+              <a:rPr lang="fr-FR" dirty="0" smtClean="0"/>
+              <a:t>Karim – LUONG </a:t>
+            </a:r>
+            <a:r>
+              <a:rPr lang="fr-FR" dirty="0" smtClean="0"/>
+              <a:t>Kevin</a:t>
             </a:r>
             <a:endParaRPr lang="fr-FR" dirty="0" smtClean="0"/>
           </a:p>
@@ -4366,7 +4386,6 @@
               <a:rPr lang="en-US" dirty="0" smtClean="0"/>
               <a:t>Games</a:t>
             </a:r>
-            <a:endParaRPr lang="en-US" dirty="0" smtClean="0"/>
           </a:p>
           <a:p>
             <a:pPr lvl="1"/>
@@ -4542,15 +4561,7 @@
           <a:p>
             <a:r>
               <a:rPr lang="en-US" dirty="0" smtClean="0"/>
-              <a:t>N</a:t>
-            </a:r>
-            <a:r>
-              <a:rPr lang="en-US" dirty="0" smtClean="0"/>
-              <a:t>obody </a:t>
-            </a:r>
-            <a:r>
-              <a:rPr lang="en-US" dirty="0" smtClean="0"/>
-              <a:t>uses the Kinect as a camera but only as a gaming device</a:t>
+              <a:t>Nobody uses the Kinect as a camera but only as a gaming device</a:t>
             </a:r>
           </a:p>
         </p:txBody>
@@ -4798,8 +4809,17 @@
             </a:pPr>
             <a:r>
               <a:rPr lang="en-US" dirty="0" smtClean="0"/>
-              <a:t>(screen skeleton)</a:t>
-            </a:r>
+              <a:t>(screen </a:t>
+            </a:r>
+            <a:r>
+              <a:rPr lang="en-US" dirty="0" smtClean="0"/>
+              <a:t>skeleton </a:t>
+            </a:r>
+            <a:r>
+              <a:rPr lang="en-US" smtClean="0"/>
+              <a:t>assis)</a:t>
+            </a:r>
+            <a:endParaRPr lang="en-US" dirty="0" smtClean="0"/>
           </a:p>
           <a:p>
             <a:r>
@@ -4904,11 +4924,7 @@
           <a:p>
             <a:r>
               <a:rPr lang="en-US" dirty="0" smtClean="0"/>
-              <a:t>Hand/movement </a:t>
-            </a:r>
-            <a:r>
-              <a:rPr lang="en-US" dirty="0" smtClean="0"/>
-              <a:t>recognition</a:t>
+              <a:t>Hand/movement recognition</a:t>
             </a:r>
           </a:p>
           <a:p>
@@ -5020,11 +5036,7 @@
             </a:pPr>
             <a:r>
               <a:rPr lang="en-US" dirty="0" smtClean="0"/>
-              <a:t>	Screens debug </a:t>
-            </a:r>
-            <a:r>
-              <a:rPr lang="en-US" dirty="0" smtClean="0"/>
-              <a:t>output</a:t>
+              <a:t>	Screens debug output</a:t>
             </a:r>
           </a:p>
           <a:p>
@@ -5144,11 +5156,7 @@
           <a:p>
             <a:r>
               <a:rPr lang="en-US" dirty="0" smtClean="0"/>
-              <a:t>Demo Web </a:t>
-            </a:r>
-            <a:r>
-              <a:rPr lang="en-US" dirty="0" smtClean="0"/>
-              <a:t>browser</a:t>
+              <a:t>Demo Web browser</a:t>
             </a:r>
             <a:endParaRPr lang="en-US" dirty="0"/>
           </a:p>
